--- a/OutputFiles/CubeQuery5.pptx
+++ b/OutputFiles/CubeQuery5.pptx
@@ -5541,7 +5541,7 @@
       </p:graphicFrame>
       <p:pic>
         <p:nvPicPr>
-          <p:cNvPr id="4" name="KT204Z.wav">
+          <p:cNvPr id="4" name="XQHWND6I2.wav">
             <a:hlinkClick r:id="" action="ppaction://media"/>
           </p:cNvPr>
           <p:cNvPicPr>
@@ -6135,7 +6135,7 @@
       </p:graphicFrame>
       <p:pic>
         <p:nvPicPr>
-          <p:cNvPr id="4" name="485ZDQJ.wav">
+          <p:cNvPr id="4" name="WQNTNBC8.wav">
             <a:hlinkClick r:id="" action="ppaction://media"/>
           </p:cNvPr>
           <p:cNvPicPr>
@@ -6822,7 +6822,7 @@
       </p:graphicFrame>
       <p:pic>
         <p:nvPicPr>
-          <p:cNvPr id="4" name="FD35VPIF.wav">
+          <p:cNvPr id="4" name="R4XEHER9.wav">
             <a:hlinkClick r:id="" action="ppaction://media"/>
           </p:cNvPr>
           <p:cNvPicPr>
@@ -7133,7 +7133,7 @@
       </p:sp>
       <p:pic>
         <p:nvPicPr>
-          <p:cNvPr id="4" name="M8WLP44.wav">
+          <p:cNvPr id="4" name="B4C3VXOCH.wav">
             <a:hlinkClick r:id="" action="ppaction://media"/>
           </p:cNvPr>
           <p:cNvPicPr>
@@ -9042,7 +9042,7 @@
       </p:graphicFrame>
       <p:pic>
         <p:nvPicPr>
-          <p:cNvPr id="4" name="4PTRC.wav">
+          <p:cNvPr id="4" name="7IFFW4.wav">
             <a:hlinkClick r:id="" action="ppaction://media"/>
           </p:cNvPr>
           <p:cNvPicPr>
@@ -10985,7 +10985,7 @@
       </p:graphicFrame>
       <p:pic>
         <p:nvPicPr>
-          <p:cNvPr id="4" name="B0WMD3DJG.wav">
+          <p:cNvPr id="4" name="9SGKE93W.wav">
             <a:hlinkClick r:id="" action="ppaction://media"/>
           </p:cNvPr>
           <p:cNvPicPr>
@@ -11440,7 +11440,7 @@
       </p:sp>
       <p:pic>
         <p:nvPicPr>
-          <p:cNvPr id="4" name="FQ03LBA.wav">
+          <p:cNvPr id="4" name="OGLSF2YC.wav">
             <a:hlinkClick r:id="" action="ppaction://media"/>
           </p:cNvPr>
           <p:cNvPicPr>
@@ -11776,7 +11776,7 @@
       </p:pic>
       <p:pic>
         <p:nvPicPr>
-          <p:cNvPr id="4" name="RV9Q74.wav">
+          <p:cNvPr id="4" name="W2VRN.wav">
             <a:hlinkClick r:id="" action="ppaction://media"/>
           </p:cNvPr>
           <p:cNvPicPr>
@@ -12620,7 +12620,7 @@
       </p:graphicFrame>
       <p:pic>
         <p:nvPicPr>
-          <p:cNvPr id="4" name="59TXE.wav">
+          <p:cNvPr id="4" name="NI5JHTIZ.wav">
             <a:hlinkClick r:id="" action="ppaction://media"/>
           </p:cNvPr>
           <p:cNvPicPr>
@@ -12931,7 +12931,7 @@
       </p:sp>
       <p:pic>
         <p:nvPicPr>
-          <p:cNvPr id="4" name="3JR2XG.wav">
+          <p:cNvPr id="4" name="S86JLEE.wav">
             <a:hlinkClick r:id="" action="ppaction://media"/>
           </p:cNvPr>
           <p:cNvPicPr>
@@ -13650,7 +13650,7 @@
       </p:graphicFrame>
       <p:pic>
         <p:nvPicPr>
-          <p:cNvPr id="4" name="0B26LF.wav">
+          <p:cNvPr id="4" name="ULN9OO6H.wav">
             <a:hlinkClick r:id="" action="ppaction://media"/>
           </p:cNvPr>
           <p:cNvPicPr>
@@ -14494,7 +14494,7 @@
       </p:graphicFrame>
       <p:pic>
         <p:nvPicPr>
-          <p:cNvPr id="4" name="LMK0IJ.wav">
+          <p:cNvPr id="4" name="0BQXFR.wav">
             <a:hlinkClick r:id="" action="ppaction://media"/>
           </p:cNvPr>
           <p:cNvPicPr>
@@ -15024,7 +15024,7 @@
       </p:graphicFrame>
       <p:pic>
         <p:nvPicPr>
-          <p:cNvPr id="4" name="2LQLMBGFF.wav">
+          <p:cNvPr id="4" name="4CBAG.wav">
             <a:hlinkClick r:id="" action="ppaction://media"/>
           </p:cNvPr>
           <p:cNvPicPr>
@@ -15618,7 +15618,7 @@
       </p:graphicFrame>
       <p:pic>
         <p:nvPicPr>
-          <p:cNvPr id="4" name="IO2SV7.wav">
+          <p:cNvPr id="4" name="2BQ3GSKK.wav">
             <a:hlinkClick r:id="" action="ppaction://media"/>
           </p:cNvPr>
           <p:cNvPicPr>
@@ -16212,7 +16212,7 @@
       </p:graphicFrame>
       <p:pic>
         <p:nvPicPr>
-          <p:cNvPr id="4" name="7ER3NAKO.wav">
+          <p:cNvPr id="4" name="1C4NVJQX.wav">
             <a:hlinkClick r:id="" action="ppaction://media"/>
           </p:cNvPr>
           <p:cNvPicPr>

--- a/OutputFiles/CubeQuery5.pptx
+++ b/OutputFiles/CubeQuery5.pptx
@@ -536,7 +536,7 @@
           <a:p>
             <a:r>
               <a:rPr lang="en-US" smtClean="0"/>
-              <a:t>In this graphic, we put the original request in context by comparing the value 'USA' for native country at level 1 with its sibling values. We highlight the reference cells with bold, the highest values with red and the lowest values with blue color. We calculate the Avg of work hours per week while fixing occupation at level 1 to be equal to ''Blue-collar'', work at level 2 to be equal to ''With-Pay'', education at level 3 to be equal to ''Post-Secondary'', native country at level 2 to be equal to ''North-America'', and marital at level 2 to be equal to ''Married''.
+              <a:t>In this graphic, we put the original request in context by comparing the value 'USA' for native country at level 1 with its sibling values. We highlight the reference cells with bold, the highest values with red and the lowest values with blue color. We calculate the Avg of hours_per_week while fixing occupation at level 1 to be equal to ''Blue-collar'', work at level 2 to be equal to ''With-Pay'', education at level 3 to be equal to ''Post-Secondary'', native country at level 2 to be equal to ''North-America'', and marital at level 2 to be equal to ''Married''.
 Compared to its sibling we observe that in 2 out of 4 cases USA has a higher value than Canada.
 In 2 out of 4 cases USA has a lower value than Canada.
 </a:t>
@@ -627,7 +627,7 @@
           <a:p>
             <a:r>
               <a:rPr lang="en-US" smtClean="0"/>
-              <a:t>In this graphic, we put the original request in context by comparing the value 'Married' for marital at level 2 with its sibling values. We highlight the reference cells with bold, the highest value with red and the lowest value with blue color. We calculate the Avg of work hours per week while fixing occupation at level 1 to be equal to ''Blue-collar'', work at level 2 to be equal to ''With-Pay'', education at level 3 to be equal to ''Post-Secondary'', native country at level 1 to be equal to ''USA'', and marital at level 3 to be equal to ''ALL''.
+              <a:t>In this graphic, we put the original request in context by comparing the value 'Married' for marital at level 2 with its sibling values. We highlight the reference cells with bold, the highest value with red and the lowest value with blue color. We calculate the Avg of hours_per_week while fixing occupation at level 1 to be equal to ''Blue-collar'', work at level 2 to be equal to ''With-Pay'', education at level 3 to be equal to ''Post-Secondary'', native country at level 1 to be equal to ''USA'', and marital at level 3 to be equal to ''ALL''.
 Compared to its sibling we observe that in 3 out of 3 cases Married has higher value than Never-married.
 </a:t>
             </a:r>
@@ -717,7 +717,7 @@
           <a:p>
             <a:r>
               <a:rPr lang="en-US" smtClean="0"/>
-              <a:t>In this graphic, we put the original request in context by comparing the value 'Married' for marital at level 2 with its sibling values. We highlight the reference cells with bold, the highest values with red and the lowest values with blue color. We calculate the Avg of work hours per week while fixing occupation at level 1 to be equal to ''Blue-collar'', work at level 2 to be equal to ''With-Pay'', education at level 3 to be equal to ''Post-Secondary'', native country at level 1 to be equal to ''USA'', and marital at level 3 to be equal to ''ALL''.
+              <a:t>In this graphic, we put the original request in context by comparing the value 'Married' for marital at level 2 with its sibling values. We highlight the reference cells with bold, the highest values with red and the lowest values with blue color. We calculate the Avg of hours_per_week while fixing occupation at level 1 to be equal to ''Blue-collar'', work at level 2 to be equal to ''With-Pay'', education at level 3 to be equal to ''Post-Secondary'', native country at level 1 to be equal to ''USA'', and marital at level 3 to be equal to ''ALL''.
 Compared to its sibling we observe that in 4 out of 4 cases Married has a higher value than Never-married.
 </a:t>
             </a:r>
@@ -896,7 +896,7 @@
           <a:p>
             <a:r>
               <a:rPr lang="en-US" smtClean="0"/>
-              <a:t>In this slide, we expand dimension work by drilling down from level 1 to level 0. For each cell we show both the Avg of work hours per week and the number of tuples that correspond to it in parentheses. We highlight the 5 lowest values in blue and the 5 largest in red color.
+              <a:t>In this slide, we expand dimension work by drilling down from level 1 to level 0. For each cell we show both the Avg of hours_per_week and the number of tuples that correspond to it in parentheses. We highlight the 5 lowest values in blue and the 5 largest in red color.
 Some interesting findings include:
 Column University has 2 of the 5 highest values.
 Column Post-grad has 2 of the 5 lowest values.
@@ -989,7 +989,7 @@
           <a:p>
             <a:r>
               <a:rPr lang="en-US" smtClean="0"/>
-              <a:t>In this slide, we expand dimension education by drilling down from level 2 to level 1. For each cell we show both the Avg of work hours per week and the number of tuples that correspond to it in parentheses. We highlight the 4 lowest values in blue and the 4 largest in red color.
+              <a:t>In this slide, we expand dimension education by drilling down from level 2 to level 1. For each cell we show both the Avg of hours_per_week and the number of tuples that correspond to it in parentheses. We highlight the 4 lowest values in blue and the 4 largest in red color.
 Some interesting findings include:
 Column Self-emp has 3 of the 4 highest values.
 Column Gov has 2 of the 4 lowest values.
@@ -1207,7 +1207,7 @@
           <a:p>
             <a:r>
               <a:rPr lang="en-US" smtClean="0"/>
-              <a:t>This is a report on the Avg of work hours per week when occupation is fixed to 'Blue-collar', work is fixed to 'With-Pay', education is fixed to 'Post-Secondary', native country is fixed to 'USA' and marital is fixed to 'Married'. We will start by answering the original query and we complement the result with contextualization and detailed analyses.</a:t>
+              <a:t>This is a report on the Avg of hours_per_week when occupation is fixed to 'Blue-collar', work is fixed to 'With-Pay', education is fixed to 'Post-Secondary', native country is fixed to 'USA' and marital is fixed to 'Married'. We will start by answering the original query and we complement the result with contextualization and detailed analyses.</a:t>
             </a:r>
             <a:endParaRPr lang="en-US"/>
           </a:p>
@@ -1295,7 +1295,7 @@
           <a:p>
             <a:r>
               <a:rPr lang="en-US" smtClean="0"/>
-              <a:t>Here, you can see the answer of the original query. You have specified occupation to be equal to 'Blue-collar', work to be equal to 'With-Pay', education to be equal to 'Post-Secondary', native country to be equal to 'USA', and marital to be equal to 'Married'. We report on Avg of work hours per week grouped by education at level 2, and work at level 1 .
+              <a:t>Here, you can see the answer of the original query. You have specified occupation to be equal to 'Blue-collar', work to be equal to 'With-Pay', education to be equal to 'Post-Secondary', native country to be equal to 'USA', and marital to be equal to 'Married'. We report on Avg of hours_per_week grouped by education at level 2, and work at level 1 .
 You can observe the results in this table. We highlight the largest values with red and the lowest values with blue color. 
 Column Post-grad has 2 of the 3 lowest values.
 Row Self-emp has 3 of the 3 highest values.
@@ -1478,7 +1478,7 @@
           <a:p>
             <a:r>
               <a:rPr lang="en-US" smtClean="0"/>
-              <a:t>In this graphic, we put the original request in context by comparing the value 'Blue-collar' for occupation at level 1 with its sibling values. We highlight the reference cells with bold, the highest values with red and the lowest values with blue color. We calculate the Avg of work hours per week while fixing occupation at level 2 to be equal to ''ALL'', work at level 2 to be equal to ''With-Pay'', education at level 3 to be equal to ''Post-Secondary'', native country at level 1 to be equal to ''USA'', and marital at level 2 to be equal to ''Married''.
+              <a:t>In this graphic, we put the original request in context by comparing the value 'Blue-collar' for occupation at level 1 with its sibling values. We highlight the reference cells with bold, the highest values with red and the lowest values with blue color. We calculate the Avg of hours_per_week while fixing occupation at level 2 to be equal to ''ALL'', work at level 2 to be equal to ''With-Pay'', education at level 3 to be equal to ''Post-Secondary'', native country at level 1 to be equal to ''USA'', and marital at level 2 to be equal to ''Married''.
 Compared to its sibling we observe the following:
 In 1 out of 3 cases Blue-collar has higher value than Other.
 In 2 out of 3 cases Blue-collar has lower value than Other.
@@ -1571,7 +1571,7 @@
           <a:p>
             <a:r>
               <a:rPr lang="en-US" smtClean="0"/>
-              <a:t>In this graphic, we put the original request in context by comparing the value 'Blue-collar' for occupation at level 1 with its sibling values. We highlight the reference cells with bold, the highest values with red and the lowest values with blue color. We calculate the Avg of work hours per week while fixing occupation at level 2 to be equal to ''ALL'', work at level 2 to be equal to ''With-Pay'', education at level 3 to be equal to ''Post-Secondary'', native country at level 1 to be equal to ''USA'', and marital at level 2 to be equal to ''Married''.
+              <a:t>In this graphic, we put the original request in context by comparing the value 'Blue-collar' for occupation at level 1 with its sibling values. We highlight the reference cells with bold, the highest values with red and the lowest values with blue color. We calculate the Avg of hours_per_week while fixing occupation at level 2 to be equal to ''ALL'', work at level 2 to be equal to ''With-Pay'', education at level 3 to be equal to ''Post-Secondary'', native country at level 1 to be equal to ''USA'', and marital at level 2 to be equal to ''Married''.
 Compared to its sibling we observe the following:
 In 4 out of 4 cases Blue-collar has a lower value than Other.
 In 2 out of 4 cases Blue-collar has a higher value than white-collar.
@@ -1664,7 +1664,7 @@
           <a:p>
             <a:r>
               <a:rPr lang="en-US" smtClean="0"/>
-              <a:t>In this graphic, we put the original request in context by comparing the value 'With-Pay' for work at level 2 with its sibling values. We highlight the reference cells with bold, the highest value with red and the lowest value with blue color. We calculate the Avg of work hours per week while fixing occupation at level 1 to be equal to ''Blue-collar'', work at level 3 to be equal to ''ALL'', education at level 3 to be equal to ''Post-Secondary'', native country at level 1 to be equal to ''USA'', and marital at level 2 to be equal to ''Married''.
+              <a:t>In this graphic, we put the original request in context by comparing the value 'With-Pay' for work at level 2 with its sibling values. We highlight the reference cells with bold, the highest value with red and the lowest value with blue color. We calculate the Avg of hours_per_week while fixing occupation at level 1 to be equal to ''Blue-collar'', work at level 3 to be equal to ''ALL'', education at level 3 to be equal to ''Post-Secondary'', native country at level 1 to be equal to ''USA'', and marital at level 2 to be equal to ''Married''.
 </a:t>
             </a:r>
             <a:endParaRPr lang="en-US"/>
@@ -1753,7 +1753,7 @@
           <a:p>
             <a:r>
               <a:rPr lang="en-US" smtClean="0"/>
-              <a:t>In this graphic, we put the original request in context by comparing the value 'Post-Secondary' for education at level 3 with its sibling values. We highlight the reference cells with bold, the highest value with red and the lowest value with blue color. We calculate the Avg of work hours per week while fixing occupation at level 1 to be equal to ''Blue-collar'', work at level 2 to be equal to ''With-Pay'', education at level 4 to be equal to ''ALL'', native country at level 1 to be equal to ''USA'', and marital at level 2 to be equal to ''Married''.
+              <a:t>In this graphic, we put the original request in context by comparing the value 'Post-Secondary' for education at level 3 with its sibling values. We highlight the reference cells with bold, the highest value with red and the lowest value with blue color. We calculate the Avg of hours_per_week while fixing occupation at level 1 to be equal to ''Blue-collar'', work at level 2 to be equal to ''With-Pay'', education at level 4 to be equal to ''ALL'', native country at level 1 to be equal to ''USA'', and marital at level 2 to be equal to ''Married''.
 Compared to its sibling we observe that in 2 out of 3 cases Post-Secondary has higher value than Without-Post-Secondary.
 In 1 out of 3 cases Post-Secondary has lower value than Without-Post-Secondary.
 </a:t>
@@ -1844,7 +1844,7 @@
           <a:p>
             <a:r>
               <a:rPr lang="en-US" smtClean="0"/>
-              <a:t>In this graphic, we put the original request in context by comparing the value 'USA' for native country at level 1 with its sibling values. We highlight the reference cells with bold, the highest value with red and the lowest value with blue color. We calculate the Avg of work hours per week while fixing occupation at level 1 to be equal to ''Blue-collar'', work at level 2 to be equal to ''With-Pay'', education at level 3 to be equal to ''Post-Secondary'', native country at level 2 to be equal to ''North-America'', and marital at level 2 to be equal to ''Married''.
+              <a:t>In this graphic, we put the original request in context by comparing the value 'USA' for native country at level 1 with its sibling values. We highlight the reference cells with bold, the highest value with red and the lowest value with blue color. We calculate the Avg of hours_per_week while fixing occupation at level 1 to be equal to ''Blue-collar'', work at level 2 to be equal to ''With-Pay'', education at level 3 to be equal to ''Post-Secondary'', native country at level 2 to be equal to ''North-America'', and marital at level 2 to be equal to ''Married''.
 Compared to its sibling we observe that in 2 out of 3 cases USA has lower value than Canada.
 In 1 out of 3 cases Canada has null value.
 </a:t>
@@ -5541,7 +5541,7 @@
       </p:graphicFrame>
       <p:pic>
         <p:nvPicPr>
-          <p:cNvPr id="4" name="XQHWND6I2.wav">
+          <p:cNvPr id="4" name="C1AJRA.wav">
             <a:hlinkClick r:id="" action="ppaction://media"/>
           </p:cNvPr>
           <p:cNvPicPr>
@@ -6135,7 +6135,7 @@
       </p:graphicFrame>
       <p:pic>
         <p:nvPicPr>
-          <p:cNvPr id="4" name="WQNTNBC8.wav">
+          <p:cNvPr id="4" name="VM6GFRC.wav">
             <a:hlinkClick r:id="" action="ppaction://media"/>
           </p:cNvPr>
           <p:cNvPicPr>
@@ -6822,7 +6822,7 @@
       </p:graphicFrame>
       <p:pic>
         <p:nvPicPr>
-          <p:cNvPr id="4" name="R4XEHER9.wav">
+          <p:cNvPr id="4" name="KFII85.wav">
             <a:hlinkClick r:id="" action="ppaction://media"/>
           </p:cNvPr>
           <p:cNvPicPr>
@@ -7133,7 +7133,7 @@
       </p:sp>
       <p:pic>
         <p:nvPicPr>
-          <p:cNvPr id="4" name="B4C3VXOCH.wav">
+          <p:cNvPr id="4" name="5ZB30.wav">
             <a:hlinkClick r:id="" action="ppaction://media"/>
           </p:cNvPr>
           <p:cNvPicPr>
@@ -9042,7 +9042,7 @@
       </p:graphicFrame>
       <p:pic>
         <p:nvPicPr>
-          <p:cNvPr id="4" name="7IFFW4.wav">
+          <p:cNvPr id="4" name="I2BIW.wav">
             <a:hlinkClick r:id="" action="ppaction://media"/>
           </p:cNvPr>
           <p:cNvPicPr>
@@ -10985,7 +10985,7 @@
       </p:graphicFrame>
       <p:pic>
         <p:nvPicPr>
-          <p:cNvPr id="4" name="9SGKE93W.wav">
+          <p:cNvPr id="4" name="KZV6N8.wav">
             <a:hlinkClick r:id="" action="ppaction://media"/>
           </p:cNvPr>
           <p:cNvPicPr>
@@ -11188,6 +11188,13 @@
             <a:pPr lvl="0"/>
             <a:r>
               <a:rPr lang="en-US" b="false" sz="1400"/>
+              <a:t>In this slide we summarize our findings.</a:t>
+            </a:r>
+          </a:p>
+          <a:p>
+            <a:pPr lvl="1"/>
+            <a:r>
+              <a:rPr lang="en-US" b="false" sz="1400"/>
               <a:t>Concerning the original query, some interesting findings include:</a:t>
             </a:r>
           </a:p>
@@ -11220,7 +11227,21 @@
             </a:r>
           </a:p>
           <a:p>
-            <a:pPr lvl="0"/>
+            <a:pPr lvl="1"/>
+            <a:r>
+              <a:rPr lang="en-US" b="false" sz="1400"/>
+              <a:t/>
+            </a:r>
+          </a:p>
+          <a:p>
+            <a:pPr lvl="1"/>
+            <a:r>
+              <a:rPr lang="en-US" b="false" sz="1400"/>
+              <a:t/>
+            </a:r>
+          </a:p>
+          <a:p>
+            <a:pPr lvl="1"/>
             <a:r>
               <a:rPr lang="en-US" b="false" sz="1400"/>
               <a:t>First, we tried to put the original result in context, by comparing its defining values with similar ones.</a:t>
@@ -11234,21 +11255,28 @@
             </a:r>
           </a:p>
           <a:p>
-            <a:pPr lvl="2"/>
+            <a:pPr lvl="1"/>
+            <a:r>
+              <a:rPr lang="en-US" b="false" sz="1400"/>
+              <a:t/>
+            </a:r>
+          </a:p>
+          <a:p>
+            <a:pPr lvl="1"/>
             <a:r>
               <a:rPr lang="en-US" b="false" sz="1400"/>
               <a:t>In 1 out of 3 cases Blue-collar has higher value than Other.</a:t>
             </a:r>
           </a:p>
           <a:p>
-            <a:pPr lvl="2"/>
+            <a:pPr lvl="1"/>
             <a:r>
               <a:rPr lang="en-US" b="false" sz="1400"/>
               <a:t>In 2 out of 3 cases Blue-collar has lower value than Other.</a:t>
             </a:r>
           </a:p>
           <a:p>
-            <a:pPr lvl="2"/>
+            <a:pPr lvl="1"/>
             <a:r>
               <a:rPr lang="en-US" b="false" sz="1400"/>
               <a:t>In 3 out of 3 cases Blue-collar has lower value than white-collar.</a:t>
@@ -11262,21 +11290,28 @@
             </a:r>
           </a:p>
           <a:p>
-            <a:pPr lvl="2"/>
+            <a:pPr lvl="1"/>
+            <a:r>
+              <a:rPr lang="en-US" b="false" sz="1400"/>
+              <a:t/>
+            </a:r>
+          </a:p>
+          <a:p>
+            <a:pPr lvl="1"/>
             <a:r>
               <a:rPr lang="en-US" b="false" sz="1400"/>
               <a:t>In 4 out of 4 cases Blue-collar has a lower value than Other.</a:t>
             </a:r>
           </a:p>
           <a:p>
-            <a:pPr lvl="2"/>
+            <a:pPr lvl="1"/>
             <a:r>
               <a:rPr lang="en-US" b="false" sz="1400"/>
               <a:t>In 2 out of 4 cases Blue-collar has a higher value than white-collar.</a:t>
             </a:r>
           </a:p>
           <a:p>
-            <a:pPr lvl="2"/>
+            <a:pPr lvl="1"/>
             <a:r>
               <a:rPr lang="en-US" b="false" sz="1400"/>
               <a:t>In 2 out of 4 cases Blue-collar has a lower value than white-collar.</a:t>
@@ -11290,14 +11325,14 @@
             </a:r>
           </a:p>
           <a:p>
-            <a:pPr lvl="2"/>
+            <a:pPr lvl="1"/>
             <a:r>
               <a:rPr lang="en-US" b="false" sz="1400"/>
               <a:t>In 2 out of 3 cases Post-Secondary has higher value than Without-Post-Secondary.</a:t>
             </a:r>
           </a:p>
           <a:p>
-            <a:pPr lvl="2"/>
+            <a:pPr lvl="1"/>
             <a:r>
               <a:rPr lang="en-US" b="false" sz="1400"/>
               <a:t>In 1 out of 3 cases Post-Secondary has lower value than Without-Post-Secondary.</a:t>
@@ -11311,14 +11346,14 @@
             </a:r>
           </a:p>
           <a:p>
-            <a:pPr lvl="2"/>
+            <a:pPr lvl="1"/>
             <a:r>
               <a:rPr lang="en-US" b="false" sz="1400"/>
               <a:t>In 2 out of 3 cases USA has lower value than Canada.</a:t>
             </a:r>
           </a:p>
           <a:p>
-            <a:pPr lvl="2"/>
+            <a:pPr lvl="1"/>
             <a:r>
               <a:rPr lang="en-US" b="false" sz="1400"/>
               <a:t>In 1 out of 3 cases Canada has null value.</a:t>
@@ -11332,14 +11367,14 @@
             </a:r>
           </a:p>
           <a:p>
-            <a:pPr lvl="2"/>
+            <a:pPr lvl="1"/>
             <a:r>
               <a:rPr lang="en-US" b="false" sz="1400"/>
               <a:t>In 2 out of 4 cases USA has a higher value than Canada.</a:t>
             </a:r>
           </a:p>
           <a:p>
-            <a:pPr lvl="2"/>
+            <a:pPr lvl="1"/>
             <a:r>
               <a:rPr lang="en-US" b="false" sz="1400"/>
               <a:t>In 2 out of 4 cases USA has a lower value than Canada.</a:t>
@@ -11353,7 +11388,7 @@
             </a:r>
           </a:p>
           <a:p>
-            <a:pPr lvl="2"/>
+            <a:pPr lvl="1"/>
             <a:r>
               <a:rPr lang="en-US" b="false" sz="1400"/>
               <a:t>In 3 out of 3 cases Married has higher value than Never-married.</a:t>
@@ -11367,14 +11402,21 @@
             </a:r>
           </a:p>
           <a:p>
-            <a:pPr lvl="2"/>
+            <a:pPr lvl="1"/>
             <a:r>
               <a:rPr lang="en-US" b="false" sz="1400"/>
               <a:t>In 4 out of 4 cases Married has a higher value than Never-married.</a:t>
             </a:r>
           </a:p>
           <a:p>
-            <a:pPr lvl="0"/>
+            <a:pPr lvl="1"/>
+            <a:r>
+              <a:rPr lang="en-US" b="false" sz="1400"/>
+              <a:t/>
+            </a:r>
+          </a:p>
+          <a:p>
+            <a:pPr lvl="1"/>
             <a:r>
               <a:rPr lang="en-US" b="false" sz="1400"/>
               <a:t>Then we analyzed the results by drilling down one level in the hierarchy.</a:t>
@@ -11388,21 +11430,28 @@
             </a:r>
           </a:p>
           <a:p>
-            <a:pPr lvl="2"/>
+            <a:pPr lvl="1"/>
+            <a:r>
+              <a:rPr lang="en-US" b="false" sz="1400"/>
+              <a:t/>
+            </a:r>
+          </a:p>
+          <a:p>
+            <a:pPr lvl="1"/>
             <a:r>
               <a:rPr lang="en-US" b="false" sz="1400"/>
               <a:t>Column University has 2 of the 5 highest values.</a:t>
             </a:r>
           </a:p>
           <a:p>
-            <a:pPr lvl="2"/>
+            <a:pPr lvl="1"/>
             <a:r>
               <a:rPr lang="en-US" b="false" sz="1400"/>
               <a:t>Column Post-grad has 2 of the 5 lowest values.</a:t>
             </a:r>
           </a:p>
           <a:p>
-            <a:pPr lvl="2"/>
+            <a:pPr lvl="1"/>
             <a:r>
               <a:rPr lang="en-US" b="false" sz="1400"/>
               <a:t>Column Some-college has 2 of the 5 lowest values.</a:t>
@@ -11416,21 +11465,28 @@
             </a:r>
           </a:p>
           <a:p>
-            <a:pPr lvl="2"/>
+            <a:pPr lvl="1"/>
+            <a:r>
+              <a:rPr lang="en-US" b="false" sz="1400"/>
+              <a:t/>
+            </a:r>
+          </a:p>
+          <a:p>
+            <a:pPr lvl="1"/>
             <a:r>
               <a:rPr lang="en-US" b="false" sz="1400"/>
               <a:t>Column Self-emp has 3 of the 4 highest values.</a:t>
             </a:r>
           </a:p>
           <a:p>
-            <a:pPr lvl="2"/>
+            <a:pPr lvl="1"/>
             <a:r>
               <a:rPr lang="en-US" b="false" sz="1400"/>
               <a:t>Column Gov has 2 of the 4 lowest values.</a:t>
             </a:r>
           </a:p>
           <a:p>
-            <a:pPr lvl="2"/>
+            <a:pPr lvl="1"/>
             <a:r>
               <a:rPr lang="en-US" b="false" sz="1400"/>
               <a:t>Column Private has 2 of the 4 lowest values.</a:t>
@@ -11440,7 +11496,7 @@
       </p:sp>
       <p:pic>
         <p:nvPicPr>
-          <p:cNvPr id="4" name="OGLSF2YC.wav">
+          <p:cNvPr id="4" name="M2OYQA94.wav">
             <a:hlinkClick r:id="" action="ppaction://media"/>
           </p:cNvPr>
           <p:cNvPicPr>
@@ -11745,7 +11801,7 @@
             <a:pPr algn="just"/>
             <a:r>
               <a:rPr lang="en-US" b="false" sz="2000"/>
-              <a:t>This is a report on the Avg of work hours per week when occupation is fixed to 'Blue-collar', work is fixed to 'With-Pay', education is fixed to 'Post-Secondary', native country is fixed to 'USA' and marital is fixed to 'Married'. We will start by answering the original query and we complement the result with contextualization and detailed analyses.</a:t>
+              <a:t>This is a report on the Avg of hours_per_week when occupation is fixed to 'Blue-collar', work is fixed to 'With-Pay', education is fixed to 'Post-Secondary', native country is fixed to 'USA' and marital is fixed to 'Married'. We will start by answering the original query and we complement the result with contextualization and detailed analyses.</a:t>
             </a:r>
           </a:p>
         </p:txBody>
@@ -11776,7 +11832,7 @@
       </p:pic>
       <p:pic>
         <p:nvPicPr>
-          <p:cNvPr id="4" name="W2VRN.wav">
+          <p:cNvPr id="4" name="M004R2WX.wav">
             <a:hlinkClick r:id="" action="ppaction://media"/>
           </p:cNvPr>
           <p:cNvPicPr>
@@ -12620,7 +12676,7 @@
       </p:graphicFrame>
       <p:pic>
         <p:nvPicPr>
-          <p:cNvPr id="4" name="NI5JHTIZ.wav">
+          <p:cNvPr id="4" name="QBOPM.wav">
             <a:hlinkClick r:id="" action="ppaction://media"/>
           </p:cNvPr>
           <p:cNvPicPr>
@@ -12931,7 +12987,7 @@
       </p:sp>
       <p:pic>
         <p:nvPicPr>
-          <p:cNvPr id="4" name="S86JLEE.wav">
+          <p:cNvPr id="4" name="WD894XW.wav">
             <a:hlinkClick r:id="" action="ppaction://media"/>
           </p:cNvPr>
           <p:cNvPicPr>
@@ -13650,7 +13706,7 @@
       </p:graphicFrame>
       <p:pic>
         <p:nvPicPr>
-          <p:cNvPr id="4" name="ULN9OO6H.wav">
+          <p:cNvPr id="4" name="Y84AVD.wav">
             <a:hlinkClick r:id="" action="ppaction://media"/>
           </p:cNvPr>
           <p:cNvPicPr>
@@ -14494,7 +14550,7 @@
       </p:graphicFrame>
       <p:pic>
         <p:nvPicPr>
-          <p:cNvPr id="4" name="0BQXFR.wav">
+          <p:cNvPr id="4" name="9WUXX4.wav">
             <a:hlinkClick r:id="" action="ppaction://media"/>
           </p:cNvPr>
           <p:cNvPicPr>
@@ -15024,7 +15080,7 @@
       </p:graphicFrame>
       <p:pic>
         <p:nvPicPr>
-          <p:cNvPr id="4" name="4CBAG.wav">
+          <p:cNvPr id="4" name="S30NWW72.wav">
             <a:hlinkClick r:id="" action="ppaction://media"/>
           </p:cNvPr>
           <p:cNvPicPr>
@@ -15618,7 +15674,7 @@
       </p:graphicFrame>
       <p:pic>
         <p:nvPicPr>
-          <p:cNvPr id="4" name="2BQ3GSKK.wav">
+          <p:cNvPr id="4" name="0IBXL5.wav">
             <a:hlinkClick r:id="" action="ppaction://media"/>
           </p:cNvPr>
           <p:cNvPicPr>
@@ -16212,7 +16268,7 @@
       </p:graphicFrame>
       <p:pic>
         <p:nvPicPr>
-          <p:cNvPr id="4" name="1C4NVJQX.wav">
+          <p:cNvPr id="4" name="JEEAROWB9.wav">
             <a:hlinkClick r:id="" action="ppaction://media"/>
           </p:cNvPr>
           <p:cNvPicPr>
